--- a/Angular2.pptx
+++ b/Angular2.pptx
@@ -4869,110 +4869,132 @@
           </a:p>
         </p:txBody>
       </p:sp>
-      <p:grpSp>
-        <p:nvGrpSpPr>
-          <p:cNvPr id="6" name="Group 5"/>
-          <p:cNvGrpSpPr/>
+      <p:sp>
+        <p:nvSpPr>
+          <p:cNvPr id="3" name="TextBox 2"/>
+          <p:cNvSpPr txBox="1"/>
           <p:nvPr/>
-        </p:nvGrpSpPr>
-        <p:grpSpPr>
+        </p:nvSpPr>
+        <p:spPr>
           <a:xfrm>
-            <a:off x="9764737" y="5300116"/>
-            <a:ext cx="1657605" cy="1039326"/>
-            <a:chOff x="9790204" y="5142576"/>
-            <a:chExt cx="1657605" cy="1039326"/>
+            <a:off x="9764737" y="5457656"/>
+            <a:ext cx="902811" cy="369332"/>
           </a:xfrm>
-        </p:grpSpPr>
-        <p:sp>
-          <p:nvSpPr>
-            <p:cNvPr id="3" name="TextBox 2"/>
-            <p:cNvSpPr txBox="1"/>
-            <p:nvPr/>
-          </p:nvSpPr>
-          <p:spPr>
-            <a:xfrm>
-              <a:off x="9790204" y="5300116"/>
-              <a:ext cx="902811" cy="369332"/>
-            </a:xfrm>
-            <a:prstGeom prst="rect">
-              <a:avLst/>
-            </a:prstGeom>
-            <a:noFill/>
-          </p:spPr>
-          <p:txBody>
-            <a:bodyPr wrap="none" rtlCol="0">
-              <a:spAutoFit/>
-            </a:bodyPr>
-            <a:lstStyle/>
-            <a:p>
-              <a:r>
-                <a:rPr lang="en-US" dirty="0" smtClean="0"/>
-                <a:t>Author:</a:t>
-              </a:r>
-              <a:endParaRPr lang="en-US" dirty="0"/>
-            </a:p>
-          </p:txBody>
-        </p:sp>
-        <p:pic>
-          <p:nvPicPr>
-            <p:cNvPr id="4" name="Picture 3"/>
-            <p:cNvPicPr>
-              <a:picLocks noChangeAspect="1"/>
-            </p:cNvPicPr>
-            <p:nvPr/>
-          </p:nvPicPr>
-          <p:blipFill>
-            <a:blip r:embed="rId3" cstate="print">
-              <a:extLst>
-                <a:ext uri="{28A0092B-C50C-407E-A947-70E740481C1C}">
-                  <a14:useLocalDpi xmlns:a14="http://schemas.microsoft.com/office/drawing/2010/main" val="0"/>
-                </a:ext>
-              </a:extLst>
-            </a:blip>
-            <a:stretch>
-              <a:fillRect/>
-            </a:stretch>
-          </p:blipFill>
-          <p:spPr>
-            <a:xfrm>
-              <a:off x="10677257" y="5142576"/>
-              <a:ext cx="638101" cy="628765"/>
-            </a:xfrm>
-            <a:prstGeom prst="rect">
-              <a:avLst/>
-            </a:prstGeom>
-          </p:spPr>
-        </p:pic>
-        <p:sp>
-          <p:nvSpPr>
-            <p:cNvPr id="5" name="TextBox 4"/>
-            <p:cNvSpPr txBox="1"/>
-            <p:nvPr/>
-          </p:nvSpPr>
-          <p:spPr>
-            <a:xfrm>
-              <a:off x="10544805" y="5812570"/>
-              <a:ext cx="903004" cy="369332"/>
-            </a:xfrm>
-            <a:prstGeom prst="rect">
-              <a:avLst/>
-            </a:prstGeom>
-            <a:noFill/>
-          </p:spPr>
-          <p:txBody>
-            <a:bodyPr wrap="none" rtlCol="0">
-              <a:spAutoFit/>
-            </a:bodyPr>
-            <a:lstStyle/>
-            <a:p>
-              <a:r>
-                <a:rPr lang="en-US" dirty="0"/>
-                <a:t>TU Tran</a:t>
-              </a:r>
-            </a:p>
-          </p:txBody>
-        </p:sp>
-      </p:grpSp>
+          <a:prstGeom prst="rect">
+            <a:avLst/>
+          </a:prstGeom>
+          <a:noFill/>
+        </p:spPr>
+        <p:txBody>
+          <a:bodyPr wrap="none" rtlCol="0">
+            <a:spAutoFit/>
+          </a:bodyPr>
+          <a:lstStyle/>
+          <a:p>
+            <a:r>
+              <a:rPr lang="en-US" dirty="0" smtClean="0"/>
+              <a:t>Author:</a:t>
+            </a:r>
+            <a:endParaRPr lang="en-US" dirty="0"/>
+          </a:p>
+        </p:txBody>
+      </p:sp>
+      <p:pic>
+        <p:nvPicPr>
+          <p:cNvPr id="4" name="Picture 3"/>
+          <p:cNvPicPr>
+            <a:picLocks noChangeAspect="1"/>
+          </p:cNvPicPr>
+          <p:nvPr/>
+        </p:nvPicPr>
+        <p:blipFill>
+          <a:blip r:embed="rId3" cstate="print">
+            <a:extLst>
+              <a:ext uri="{28A0092B-C50C-407E-A947-70E740481C1C}">
+                <a14:useLocalDpi xmlns:a14="http://schemas.microsoft.com/office/drawing/2010/main" val="0"/>
+              </a:ext>
+            </a:extLst>
+          </a:blip>
+          <a:stretch>
+            <a:fillRect/>
+          </a:stretch>
+        </p:blipFill>
+        <p:spPr>
+          <a:xfrm>
+            <a:off x="10651790" y="5300116"/>
+            <a:ext cx="638101" cy="628765"/>
+          </a:xfrm>
+          <a:prstGeom prst="rect">
+            <a:avLst/>
+          </a:prstGeom>
+        </p:spPr>
+      </p:pic>
+      <p:sp>
+        <p:nvSpPr>
+          <p:cNvPr id="5" name="TextBox 4"/>
+          <p:cNvSpPr txBox="1"/>
+          <p:nvPr/>
+        </p:nvSpPr>
+        <p:spPr>
+          <a:xfrm>
+            <a:off x="10519338" y="5979670"/>
+            <a:ext cx="903004" cy="369332"/>
+          </a:xfrm>
+          <a:prstGeom prst="rect">
+            <a:avLst/>
+          </a:prstGeom>
+          <a:noFill/>
+        </p:spPr>
+        <p:txBody>
+          <a:bodyPr wrap="none" rtlCol="0">
+            <a:spAutoFit/>
+          </a:bodyPr>
+          <a:lstStyle/>
+          <a:p>
+            <a:pPr algn="r"/>
+            <a:r>
+              <a:rPr lang="en-US" dirty="0"/>
+              <a:t>TU </a:t>
+            </a:r>
+            <a:r>
+              <a:rPr lang="en-US" dirty="0" smtClean="0"/>
+              <a:t>Tran</a:t>
+            </a:r>
+            <a:endParaRPr lang="en-US" dirty="0"/>
+          </a:p>
+        </p:txBody>
+      </p:sp>
+      <p:sp>
+        <p:nvSpPr>
+          <p:cNvPr id="9" name="TextBox 8"/>
+          <p:cNvSpPr txBox="1"/>
+          <p:nvPr/>
+        </p:nvSpPr>
+        <p:spPr>
+          <a:xfrm>
+            <a:off x="9204427" y="6317018"/>
+            <a:ext cx="2217915" cy="369332"/>
+          </a:xfrm>
+          <a:prstGeom prst="rect">
+            <a:avLst/>
+          </a:prstGeom>
+          <a:noFill/>
+        </p:spPr>
+        <p:txBody>
+          <a:bodyPr wrap="none" rtlCol="0">
+            <a:spAutoFit/>
+          </a:bodyPr>
+          <a:lstStyle/>
+          <a:p>
+            <a:pPr algn="r"/>
+            <a:r>
+              <a:rPr lang="en-US" dirty="0" smtClean="0"/>
+              <a:t>Skype: tranthanhtu83</a:t>
+            </a:r>
+            <a:endParaRPr lang="en-US" dirty="0"/>
+          </a:p>
+        </p:txBody>
+      </p:sp>
     </p:spTree>
     <p:extLst>
       <p:ext uri="{BB962C8B-B14F-4D97-AF65-F5344CB8AC3E}">

--- a/Angular2.pptx
+++ b/Angular2.pptx
@@ -5,27 +5,28 @@
     <p:sldMasterId id="2147483648" r:id="rId1"/>
   </p:sldMasterIdLst>
   <p:notesMasterIdLst>
-    <p:notesMasterId r:id="rId17"/>
+    <p:notesMasterId r:id="rId18"/>
   </p:notesMasterIdLst>
   <p:handoutMasterIdLst>
-    <p:handoutMasterId r:id="rId18"/>
+    <p:handoutMasterId r:id="rId19"/>
   </p:handoutMasterIdLst>
   <p:sldIdLst>
     <p:sldId id="260" r:id="rId2"/>
     <p:sldId id="318" r:id="rId3"/>
-    <p:sldId id="317" r:id="rId4"/>
-    <p:sldId id="276" r:id="rId5"/>
-    <p:sldId id="308" r:id="rId6"/>
-    <p:sldId id="267" r:id="rId7"/>
-    <p:sldId id="319" r:id="rId8"/>
-    <p:sldId id="277" r:id="rId9"/>
-    <p:sldId id="309" r:id="rId10"/>
-    <p:sldId id="310" r:id="rId11"/>
-    <p:sldId id="311" r:id="rId12"/>
-    <p:sldId id="312" r:id="rId13"/>
-    <p:sldId id="313" r:id="rId14"/>
-    <p:sldId id="314" r:id="rId15"/>
-    <p:sldId id="316" r:id="rId16"/>
+    <p:sldId id="320" r:id="rId4"/>
+    <p:sldId id="317" r:id="rId5"/>
+    <p:sldId id="276" r:id="rId6"/>
+    <p:sldId id="308" r:id="rId7"/>
+    <p:sldId id="267" r:id="rId8"/>
+    <p:sldId id="319" r:id="rId9"/>
+    <p:sldId id="277" r:id="rId10"/>
+    <p:sldId id="309" r:id="rId11"/>
+    <p:sldId id="310" r:id="rId12"/>
+    <p:sldId id="311" r:id="rId13"/>
+    <p:sldId id="312" r:id="rId14"/>
+    <p:sldId id="313" r:id="rId15"/>
+    <p:sldId id="314" r:id="rId16"/>
+    <p:sldId id="316" r:id="rId17"/>
   </p:sldIdLst>
   <p:sldSz cx="12192000" cy="6858000"/>
   <p:notesSz cx="6858000" cy="9144000"/>
@@ -1165,6 +1166,90 @@
 </p:notes>
 </file>
 
+<file path=ppt/notesSlides/notesSlide15.xml><?xml version="1.0" encoding="utf-8"?>
+<p:notes xmlns:a="http://schemas.openxmlformats.org/drawingml/2006/main" xmlns:r="http://schemas.openxmlformats.org/officeDocument/2006/relationships" xmlns:p="http://schemas.openxmlformats.org/presentationml/2006/main">
+  <p:cSld>
+    <p:spTree>
+      <p:nvGrpSpPr>
+        <p:cNvPr id="1" name=""/>
+        <p:cNvGrpSpPr/>
+        <p:nvPr/>
+      </p:nvGrpSpPr>
+      <p:grpSpPr>
+        <a:xfrm>
+          <a:off x="0" y="0"/>
+          <a:ext cx="0" cy="0"/>
+          <a:chOff x="0" y="0"/>
+          <a:chExt cx="0" cy="0"/>
+        </a:xfrm>
+      </p:grpSpPr>
+      <p:sp>
+        <p:nvSpPr>
+          <p:cNvPr id="2" name="Slide Image Placeholder 1"/>
+          <p:cNvSpPr>
+            <a:spLocks noGrp="1" noRot="1" noChangeAspect="1"/>
+          </p:cNvSpPr>
+          <p:nvPr>
+            <p:ph type="sldImg"/>
+          </p:nvPr>
+        </p:nvSpPr>
+        <p:spPr/>
+      </p:sp>
+      <p:sp>
+        <p:nvSpPr>
+          <p:cNvPr id="3" name="Notes Placeholder 2"/>
+          <p:cNvSpPr>
+            <a:spLocks noGrp="1"/>
+          </p:cNvSpPr>
+          <p:nvPr>
+            <p:ph type="body" idx="1"/>
+          </p:nvPr>
+        </p:nvSpPr>
+        <p:spPr/>
+        <p:txBody>
+          <a:bodyPr/>
+          <a:lstStyle/>
+          <a:p>
+            <a:endParaRPr lang="en-US" dirty="0"/>
+          </a:p>
+        </p:txBody>
+      </p:sp>
+      <p:sp>
+        <p:nvSpPr>
+          <p:cNvPr id="4" name="Slide Number Placeholder 3"/>
+          <p:cNvSpPr>
+            <a:spLocks noGrp="1"/>
+          </p:cNvSpPr>
+          <p:nvPr>
+            <p:ph type="sldNum" sz="quarter" idx="10"/>
+          </p:nvPr>
+        </p:nvSpPr>
+        <p:spPr/>
+        <p:txBody>
+          <a:bodyPr/>
+          <a:lstStyle/>
+          <a:p>
+            <a:fld id="{D0FA2198-9B61-4203-809A-4EDE1116A0B8}" type="slidenum">
+              <a:rPr lang="en-US" smtClean="0"/>
+              <a:t>16</a:t>
+            </a:fld>
+            <a:endParaRPr lang="en-US"/>
+          </a:p>
+        </p:txBody>
+      </p:sp>
+    </p:spTree>
+    <p:extLst>
+      <p:ext uri="{BB962C8B-B14F-4D97-AF65-F5344CB8AC3E}">
+        <p14:creationId xmlns:p14="http://schemas.microsoft.com/office/powerpoint/2010/main" val="2959569225"/>
+      </p:ext>
+    </p:extLst>
+  </p:cSld>
+  <p:clrMapOvr>
+    <a:masterClrMapping/>
+  </p:clrMapOvr>
+</p:notes>
+</file>
+
 <file path=ppt/notesSlides/notesSlide2.xml><?xml version="1.0" encoding="utf-8"?>
 <p:notes xmlns:a="http://schemas.openxmlformats.org/drawingml/2006/main" xmlns:r="http://schemas.openxmlformats.org/officeDocument/2006/relationships" xmlns:p="http://schemas.openxmlformats.org/presentationml/2006/main">
   <p:cSld>
@@ -1323,7 +1408,7 @@
     </p:spTree>
     <p:extLst>
       <p:ext uri="{BB962C8B-B14F-4D97-AF65-F5344CB8AC3E}">
-        <p14:creationId xmlns:p14="http://schemas.microsoft.com/office/powerpoint/2010/main" val="486636799"/>
+        <p14:creationId xmlns:p14="http://schemas.microsoft.com/office/powerpoint/2010/main" val="843057068"/>
       </p:ext>
     </p:extLst>
   </p:cSld>
@@ -1377,24 +1462,7 @@
           <a:bodyPr/>
           <a:lstStyle/>
           <a:p>
-            <a:pPr marL="171450" marR="0" indent="-171450" algn="l" defTabSz="914400" rtl="0" eaLnBrk="1" fontAlgn="auto" latinLnBrk="0" hangingPunct="1">
-              <a:lnSpc>
-                <a:spcPct val="100000"/>
-              </a:lnSpc>
-              <a:spcBef>
-                <a:spcPts val="0"/>
-              </a:spcBef>
-              <a:spcAft>
-                <a:spcPts val="0"/>
-              </a:spcAft>
-              <a:buClrTx/>
-              <a:buSzTx/>
-              <a:buFontTx/>
-              <a:buChar char="-"/>
-              <a:tabLst/>
-              <a:defRPr/>
-            </a:pPr>
-            <a:endParaRPr lang="en-US" dirty="0" smtClean="0"/>
+            <a:endParaRPr lang="en-US" dirty="0"/>
           </a:p>
         </p:txBody>
       </p:sp>
@@ -1424,7 +1492,7 @@
     </p:spTree>
     <p:extLst>
       <p:ext uri="{BB962C8B-B14F-4D97-AF65-F5344CB8AC3E}">
-        <p14:creationId xmlns:p14="http://schemas.microsoft.com/office/powerpoint/2010/main" val="1095954467"/>
+        <p14:creationId xmlns:p14="http://schemas.microsoft.com/office/powerpoint/2010/main" val="486636799"/>
       </p:ext>
     </p:extLst>
   </p:cSld>
@@ -1579,26 +1647,24 @@
           <a:bodyPr/>
           <a:lstStyle/>
           <a:p>
-            <a:pPr marL="171450" indent="-171450">
+            <a:pPr marL="171450" marR="0" indent="-171450" algn="l" defTabSz="914400" rtl="0" eaLnBrk="1" fontAlgn="auto" latinLnBrk="0" hangingPunct="1">
+              <a:lnSpc>
+                <a:spcPct val="100000"/>
+              </a:lnSpc>
+              <a:spcBef>
+                <a:spcPts val="0"/>
+              </a:spcBef>
+              <a:spcAft>
+                <a:spcPts val="0"/>
+              </a:spcAft>
+              <a:buClrTx/>
+              <a:buSzTx/>
               <a:buFontTx/>
               <a:buChar char="-"/>
+              <a:tabLst/>
+              <a:defRPr/>
             </a:pPr>
-            <a:r>
-              <a:rPr lang="en-US" dirty="0" smtClean="0"/>
-              <a:t>Route with </a:t>
-            </a:r>
-            <a:r>
-              <a:rPr lang="en-US" dirty="0" err="1" smtClean="0"/>
-              <a:t>param</a:t>
-            </a:r>
             <a:endParaRPr lang="en-US" dirty="0" smtClean="0"/>
-          </a:p>
-          <a:p>
-            <a:pPr marL="171450" indent="-171450">
-              <a:buFontTx/>
-              <a:buChar char="-"/>
-            </a:pPr>
-            <a:endParaRPr lang="en-US" dirty="0"/>
           </a:p>
         </p:txBody>
       </p:sp>
@@ -1628,7 +1694,7 @@
     </p:spTree>
     <p:extLst>
       <p:ext uri="{BB962C8B-B14F-4D97-AF65-F5344CB8AC3E}">
-        <p14:creationId xmlns:p14="http://schemas.microsoft.com/office/powerpoint/2010/main" val="1305822863"/>
+        <p14:creationId xmlns:p14="http://schemas.microsoft.com/office/powerpoint/2010/main" val="1095954467"/>
       </p:ext>
     </p:extLst>
   </p:cSld>
@@ -1731,7 +1797,7 @@
     </p:spTree>
     <p:extLst>
       <p:ext uri="{BB962C8B-B14F-4D97-AF65-F5344CB8AC3E}">
-        <p14:creationId xmlns:p14="http://schemas.microsoft.com/office/powerpoint/2010/main" val="3836413800"/>
+        <p14:creationId xmlns:p14="http://schemas.microsoft.com/office/powerpoint/2010/main" val="1305822863"/>
       </p:ext>
     </p:extLst>
   </p:cSld>
@@ -1785,24 +1851,26 @@
           <a:bodyPr/>
           <a:lstStyle/>
           <a:p>
-            <a:pPr marL="0" marR="0" indent="0" algn="l" defTabSz="914400" rtl="0" eaLnBrk="1" fontAlgn="auto" latinLnBrk="0" hangingPunct="1">
-              <a:lnSpc>
-                <a:spcPct val="100000"/>
-              </a:lnSpc>
-              <a:spcBef>
-                <a:spcPts val="0"/>
-              </a:spcBef>
-              <a:spcAft>
-                <a:spcPts val="0"/>
-              </a:spcAft>
-              <a:buClrTx/>
-              <a:buSzTx/>
+            <a:pPr marL="171450" indent="-171450">
               <a:buFontTx/>
-              <a:buNone/>
-              <a:tabLst/>
-              <a:defRPr/>
+              <a:buChar char="-"/>
             </a:pPr>
+            <a:r>
+              <a:rPr lang="en-US" dirty="0" smtClean="0"/>
+              <a:t>Route with </a:t>
+            </a:r>
+            <a:r>
+              <a:rPr lang="en-US" dirty="0" err="1" smtClean="0"/>
+              <a:t>param</a:t>
+            </a:r>
             <a:endParaRPr lang="en-US" dirty="0" smtClean="0"/>
+          </a:p>
+          <a:p>
+            <a:pPr marL="171450" indent="-171450">
+              <a:buFontTx/>
+              <a:buChar char="-"/>
+            </a:pPr>
+            <a:endParaRPr lang="en-US" dirty="0"/>
           </a:p>
         </p:txBody>
       </p:sp>
@@ -1832,7 +1900,7 @@
     </p:spTree>
     <p:extLst>
       <p:ext uri="{BB962C8B-B14F-4D97-AF65-F5344CB8AC3E}">
-        <p14:creationId xmlns:p14="http://schemas.microsoft.com/office/powerpoint/2010/main" val="446478801"/>
+        <p14:creationId xmlns:p14="http://schemas.microsoft.com/office/powerpoint/2010/main" val="3836413800"/>
       </p:ext>
     </p:extLst>
   </p:cSld>
@@ -1886,7 +1954,24 @@
           <a:bodyPr/>
           <a:lstStyle/>
           <a:p>
-            <a:endParaRPr lang="en-US" dirty="0"/>
+            <a:pPr marL="0" marR="0" indent="0" algn="l" defTabSz="914400" rtl="0" eaLnBrk="1" fontAlgn="auto" latinLnBrk="0" hangingPunct="1">
+              <a:lnSpc>
+                <a:spcPct val="100000"/>
+              </a:lnSpc>
+              <a:spcBef>
+                <a:spcPts val="0"/>
+              </a:spcBef>
+              <a:spcAft>
+                <a:spcPts val="0"/>
+              </a:spcAft>
+              <a:buClrTx/>
+              <a:buSzTx/>
+              <a:buFontTx/>
+              <a:buNone/>
+              <a:tabLst/>
+              <a:defRPr/>
+            </a:pPr>
+            <a:endParaRPr lang="en-US" dirty="0" smtClean="0"/>
           </a:p>
         </p:txBody>
       </p:sp>
@@ -1907,7 +1992,7 @@
           <a:p>
             <a:fld id="{D0FA2198-9B61-4203-809A-4EDE1116A0B8}" type="slidenum">
               <a:rPr lang="en-US" smtClean="0"/>
-              <a:t>10</a:t>
+              <a:t>9</a:t>
             </a:fld>
             <a:endParaRPr lang="en-US"/>
           </a:p>
@@ -1916,7 +2001,7 @@
     </p:spTree>
     <p:extLst>
       <p:ext uri="{BB962C8B-B14F-4D97-AF65-F5344CB8AC3E}">
-        <p14:creationId xmlns:p14="http://schemas.microsoft.com/office/powerpoint/2010/main" val="2959569225"/>
+        <p14:creationId xmlns:p14="http://schemas.microsoft.com/office/powerpoint/2010/main" val="446478801"/>
       </p:ext>
     </p:extLst>
   </p:cSld>
@@ -5056,6 +5141,348 @@
           <a:p>
             <a:r>
               <a:rPr lang="en-US" sz="6000" dirty="0" smtClean="0"/>
+              <a:t>Service</a:t>
+            </a:r>
+            <a:endParaRPr lang="en-US" sz="6000" dirty="0"/>
+          </a:p>
+        </p:txBody>
+      </p:sp>
+      <p:grpSp>
+        <p:nvGrpSpPr>
+          <p:cNvPr id="5" name="Group 4"/>
+          <p:cNvGrpSpPr/>
+          <p:nvPr/>
+        </p:nvGrpSpPr>
+        <p:grpSpPr>
+          <a:xfrm>
+            <a:off x="337188" y="6111139"/>
+            <a:ext cx="11572872" cy="625035"/>
+            <a:chOff x="337188" y="6111139"/>
+            <a:chExt cx="11572872" cy="625035"/>
+          </a:xfrm>
+        </p:grpSpPr>
+        <p:cxnSp>
+          <p:nvCxnSpPr>
+            <p:cNvPr id="6" name="Straight Connector 5"/>
+            <p:cNvCxnSpPr/>
+            <p:nvPr/>
+          </p:nvCxnSpPr>
+          <p:spPr>
+            <a:xfrm>
+              <a:off x="337188" y="6111139"/>
+              <a:ext cx="11572872" cy="0"/>
+            </a:xfrm>
+            <a:prstGeom prst="line">
+              <a:avLst/>
+            </a:prstGeom>
+            <a:ln>
+              <a:solidFill>
+                <a:schemeClr val="bg1">
+                  <a:lumMod val="75000"/>
+                </a:schemeClr>
+              </a:solidFill>
+            </a:ln>
+          </p:spPr>
+          <p:style>
+            <a:lnRef idx="1">
+              <a:schemeClr val="accent1"/>
+            </a:lnRef>
+            <a:fillRef idx="0">
+              <a:schemeClr val="accent1"/>
+            </a:fillRef>
+            <a:effectRef idx="0">
+              <a:schemeClr val="accent1"/>
+            </a:effectRef>
+            <a:fontRef idx="minor">
+              <a:schemeClr val="tx1"/>
+            </a:fontRef>
+          </p:style>
+        </p:cxnSp>
+        <p:grpSp>
+          <p:nvGrpSpPr>
+            <p:cNvPr id="7" name="Group 6"/>
+            <p:cNvGrpSpPr/>
+            <p:nvPr/>
+          </p:nvGrpSpPr>
+          <p:grpSpPr>
+            <a:xfrm>
+              <a:off x="337188" y="6285951"/>
+              <a:ext cx="1359912" cy="450223"/>
+              <a:chOff x="337188" y="6285951"/>
+              <a:chExt cx="1359912" cy="450223"/>
+            </a:xfrm>
+          </p:grpSpPr>
+          <p:pic>
+            <p:nvPicPr>
+              <p:cNvPr id="8" name="Picture 7"/>
+              <p:cNvPicPr>
+                <a:picLocks noChangeAspect="1"/>
+              </p:cNvPicPr>
+              <p:nvPr/>
+            </p:nvPicPr>
+            <p:blipFill>
+              <a:blip r:embed="rId2" cstate="print">
+                <a:extLst>
+                  <a:ext uri="{28A0092B-C50C-407E-A947-70E740481C1C}">
+                    <a14:useLocalDpi xmlns:a14="http://schemas.microsoft.com/office/drawing/2010/main" val="0"/>
+                  </a:ext>
+                </a:extLst>
+              </a:blip>
+              <a:stretch>
+                <a:fillRect/>
+              </a:stretch>
+            </p:blipFill>
+            <p:spPr>
+              <a:xfrm>
+                <a:off x="337188" y="6285951"/>
+                <a:ext cx="456908" cy="450223"/>
+              </a:xfrm>
+              <a:prstGeom prst="rect">
+                <a:avLst/>
+              </a:prstGeom>
+            </p:spPr>
+          </p:pic>
+          <p:sp>
+            <p:nvSpPr>
+              <p:cNvPr id="9" name="TextBox 8"/>
+              <p:cNvSpPr txBox="1"/>
+              <p:nvPr/>
+            </p:nvSpPr>
+            <p:spPr>
+              <a:xfrm>
+                <a:off x="794096" y="6366842"/>
+                <a:ext cx="903004" cy="369332"/>
+              </a:xfrm>
+              <a:prstGeom prst="rect">
+                <a:avLst/>
+              </a:prstGeom>
+              <a:noFill/>
+            </p:spPr>
+            <p:txBody>
+              <a:bodyPr wrap="none" rtlCol="0">
+                <a:spAutoFit/>
+              </a:bodyPr>
+              <a:lstStyle/>
+              <a:p>
+                <a:r>
+                  <a:rPr lang="en-US" dirty="0" smtClean="0"/>
+                  <a:t>TU Tran</a:t>
+                </a:r>
+                <a:endParaRPr lang="en-US" dirty="0"/>
+              </a:p>
+            </p:txBody>
+          </p:sp>
+        </p:grpSp>
+      </p:grpSp>
+      <p:pic>
+        <p:nvPicPr>
+          <p:cNvPr id="1030" name="Picture 6"/>
+          <p:cNvPicPr>
+            <a:picLocks noChangeAspect="1" noChangeArrowheads="1"/>
+          </p:cNvPicPr>
+          <p:nvPr/>
+        </p:nvPicPr>
+        <p:blipFill>
+          <a:blip r:embed="rId3">
+            <a:extLst>
+              <a:ext uri="{28A0092B-C50C-407E-A947-70E740481C1C}">
+                <a14:useLocalDpi xmlns:a14="http://schemas.microsoft.com/office/drawing/2010/main" val="0"/>
+              </a:ext>
+            </a:extLst>
+          </a:blip>
+          <a:srcRect/>
+          <a:stretch>
+            <a:fillRect/>
+          </a:stretch>
+        </p:blipFill>
+        <p:spPr bwMode="auto">
+          <a:xfrm>
+            <a:off x="5062538" y="1276350"/>
+            <a:ext cx="6943725" cy="4305300"/>
+          </a:xfrm>
+          <a:prstGeom prst="rect">
+            <a:avLst/>
+          </a:prstGeom>
+          <a:noFill/>
+          <a:ln>
+            <a:noFill/>
+          </a:ln>
+          <a:extLst>
+            <a:ext uri="{909E8E84-426E-40DD-AFC4-6F175D3DCCD1}">
+              <a14:hiddenFill xmlns:a14="http://schemas.microsoft.com/office/drawing/2010/main">
+                <a:solidFill>
+                  <a:schemeClr val="accent1"/>
+                </a:solidFill>
+              </a14:hiddenFill>
+            </a:ext>
+            <a:ext uri="{91240B29-F687-4F45-9708-019B960494DF}">
+              <a14:hiddenLine xmlns:a14="http://schemas.microsoft.com/office/drawing/2010/main" w="9525">
+                <a:solidFill>
+                  <a:schemeClr val="tx1"/>
+                </a:solidFill>
+                <a:miter lim="800000"/>
+                <a:headEnd/>
+                <a:tailEnd/>
+              </a14:hiddenLine>
+            </a:ext>
+          </a:extLst>
+        </p:spPr>
+      </p:pic>
+      <p:pic>
+        <p:nvPicPr>
+          <p:cNvPr id="1031" name="Picture 7"/>
+          <p:cNvPicPr>
+            <a:picLocks noChangeAspect="1" noChangeArrowheads="1"/>
+          </p:cNvPicPr>
+          <p:nvPr/>
+        </p:nvPicPr>
+        <p:blipFill>
+          <a:blip r:embed="rId4">
+            <a:extLst>
+              <a:ext uri="{28A0092B-C50C-407E-A947-70E740481C1C}">
+                <a14:useLocalDpi xmlns:a14="http://schemas.microsoft.com/office/drawing/2010/main" val="0"/>
+              </a:ext>
+            </a:extLst>
+          </a:blip>
+          <a:srcRect/>
+          <a:stretch>
+            <a:fillRect/>
+          </a:stretch>
+        </p:blipFill>
+        <p:spPr bwMode="auto">
+          <a:xfrm>
+            <a:off x="131763" y="1835150"/>
+            <a:ext cx="3853865" cy="1428750"/>
+          </a:xfrm>
+          <a:prstGeom prst="rect">
+            <a:avLst/>
+          </a:prstGeom>
+          <a:noFill/>
+          <a:ln>
+            <a:noFill/>
+          </a:ln>
+          <a:extLst>
+            <a:ext uri="{909E8E84-426E-40DD-AFC4-6F175D3DCCD1}">
+              <a14:hiddenFill xmlns:a14="http://schemas.microsoft.com/office/drawing/2010/main">
+                <a:solidFill>
+                  <a:schemeClr val="accent1"/>
+                </a:solidFill>
+              </a14:hiddenFill>
+            </a:ext>
+            <a:ext uri="{91240B29-F687-4F45-9708-019B960494DF}">
+              <a14:hiddenLine xmlns:a14="http://schemas.microsoft.com/office/drawing/2010/main" w="9525">
+                <a:solidFill>
+                  <a:schemeClr val="tx1"/>
+                </a:solidFill>
+                <a:miter lim="800000"/>
+                <a:headEnd/>
+                <a:tailEnd/>
+              </a14:hiddenLine>
+            </a:ext>
+          </a:extLst>
+        </p:spPr>
+      </p:pic>
+      <p:sp>
+        <p:nvSpPr>
+          <p:cNvPr id="11" name="Right Arrow 10"/>
+          <p:cNvSpPr/>
+          <p:nvPr/>
+        </p:nvSpPr>
+        <p:spPr>
+          <a:xfrm>
+            <a:off x="4229100" y="2508250"/>
+            <a:ext cx="609600" cy="444500"/>
+          </a:xfrm>
+          <a:prstGeom prst="rightArrow">
+            <a:avLst/>
+          </a:prstGeom>
+        </p:spPr>
+        <p:style>
+          <a:lnRef idx="2">
+            <a:schemeClr val="accent1">
+              <a:shade val="50000"/>
+            </a:schemeClr>
+          </a:lnRef>
+          <a:fillRef idx="1">
+            <a:schemeClr val="accent1"/>
+          </a:fillRef>
+          <a:effectRef idx="0">
+            <a:schemeClr val="accent1"/>
+          </a:effectRef>
+          <a:fontRef idx="minor">
+            <a:schemeClr val="lt1"/>
+          </a:fontRef>
+        </p:style>
+        <p:txBody>
+          <a:bodyPr rtlCol="0" anchor="ctr"/>
+          <a:lstStyle/>
+          <a:p>
+            <a:pPr algn="ctr"/>
+            <a:endParaRPr lang="en-US"/>
+          </a:p>
+        </p:txBody>
+      </p:sp>
+    </p:spTree>
+    <p:extLst>
+      <p:ext uri="{BB962C8B-B14F-4D97-AF65-F5344CB8AC3E}">
+        <p14:creationId xmlns:p14="http://schemas.microsoft.com/office/powerpoint/2010/main" val="2988111067"/>
+      </p:ext>
+    </p:extLst>
+  </p:cSld>
+  <p:clrMapOvr>
+    <a:masterClrMapping/>
+  </p:clrMapOvr>
+  <p:timing>
+    <p:tnLst>
+      <p:par>
+        <p:cTn id="1" dur="indefinite" restart="never" nodeType="tmRoot"/>
+      </p:par>
+    </p:tnLst>
+  </p:timing>
+</p:sld>
+</file>
+
+<file path=ppt/slides/slide11.xml><?xml version="1.0" encoding="utf-8"?>
+<p:sld xmlns:a="http://schemas.openxmlformats.org/drawingml/2006/main" xmlns:r="http://schemas.openxmlformats.org/officeDocument/2006/relationships" xmlns:p="http://schemas.openxmlformats.org/presentationml/2006/main">
+  <p:cSld>
+    <p:spTree>
+      <p:nvGrpSpPr>
+        <p:cNvPr id="1" name=""/>
+        <p:cNvGrpSpPr/>
+        <p:nvPr/>
+      </p:nvGrpSpPr>
+      <p:grpSpPr>
+        <a:xfrm>
+          <a:off x="0" y="0"/>
+          <a:ext cx="0" cy="0"/>
+          <a:chOff x="0" y="0"/>
+          <a:chExt cx="0" cy="0"/>
+        </a:xfrm>
+      </p:grpSpPr>
+      <p:sp>
+        <p:nvSpPr>
+          <p:cNvPr id="4" name="TextBox 3"/>
+          <p:cNvSpPr txBox="1"/>
+          <p:nvPr/>
+        </p:nvSpPr>
+        <p:spPr>
+          <a:xfrm>
+            <a:off x="337188" y="26894"/>
+            <a:ext cx="11572872" cy="1015663"/>
+          </a:xfrm>
+          <a:prstGeom prst="rect">
+            <a:avLst/>
+          </a:prstGeom>
+          <a:noFill/>
+        </p:spPr>
+        <p:txBody>
+          <a:bodyPr wrap="square" rtlCol="0">
+            <a:spAutoFit/>
+          </a:bodyPr>
+          <a:lstStyle/>
+          <a:p>
+            <a:r>
+              <a:rPr lang="en-US" sz="6000" dirty="0" smtClean="0"/>
               <a:t>HTTP</a:t>
             </a:r>
             <a:endParaRPr lang="en-US" sz="6000" dirty="0"/>
@@ -5357,7 +5784,7 @@
 </p:sld>
 </file>
 
-<file path=ppt/slides/slide11.xml><?xml version="1.0" encoding="utf-8"?>
+<file path=ppt/slides/slide12.xml><?xml version="1.0" encoding="utf-8"?>
 <p:sld xmlns:a="http://schemas.openxmlformats.org/drawingml/2006/main" xmlns:r="http://schemas.openxmlformats.org/officeDocument/2006/relationships" xmlns:p="http://schemas.openxmlformats.org/presentationml/2006/main">
   <p:cSld>
     <p:spTree>
@@ -5614,7 +6041,7 @@
 </p:sld>
 </file>
 
-<file path=ppt/slides/slide12.xml><?xml version="1.0" encoding="utf-8"?>
+<file path=ppt/slides/slide13.xml><?xml version="1.0" encoding="utf-8"?>
 <p:sld xmlns:a="http://schemas.openxmlformats.org/drawingml/2006/main" xmlns:r="http://schemas.openxmlformats.org/officeDocument/2006/relationships" xmlns:p="http://schemas.openxmlformats.org/presentationml/2006/main">
   <p:cSld>
     <p:spTree>
@@ -6009,7 +6436,7 @@
 </p:sld>
 </file>
 
-<file path=ppt/slides/slide13.xml><?xml version="1.0" encoding="utf-8"?>
+<file path=ppt/slides/slide14.xml><?xml version="1.0" encoding="utf-8"?>
 <p:sld xmlns:a="http://schemas.openxmlformats.org/drawingml/2006/main" xmlns:r="http://schemas.openxmlformats.org/officeDocument/2006/relationships" xmlns:p="http://schemas.openxmlformats.org/presentationml/2006/main">
   <p:cSld>
     <p:spTree>
@@ -6404,7 +6831,7 @@
 </p:sld>
 </file>
 
-<file path=ppt/slides/slide14.xml><?xml version="1.0" encoding="utf-8"?>
+<file path=ppt/slides/slide15.xml><?xml version="1.0" encoding="utf-8"?>
 <p:sld xmlns:a="http://schemas.openxmlformats.org/drawingml/2006/main" xmlns:r="http://schemas.openxmlformats.org/officeDocument/2006/relationships" xmlns:p="http://schemas.openxmlformats.org/presentationml/2006/main">
   <p:cSld>
     <p:spTree>
@@ -6666,7 +7093,7 @@
 </p:sld>
 </file>
 
-<file path=ppt/slides/slide15.xml><?xml version="1.0" encoding="utf-8"?>
+<file path=ppt/slides/slide16.xml><?xml version="1.0" encoding="utf-8"?>
 <p:sld xmlns:a="http://schemas.openxmlformats.org/drawingml/2006/main" xmlns:r="http://schemas.openxmlformats.org/officeDocument/2006/relationships" xmlns:p="http://schemas.openxmlformats.org/presentationml/2006/main">
   <p:cSld>
     <p:spTree>
@@ -6914,7 +7341,7 @@
           <a:p>
             <a:r>
               <a:rPr lang="en-US" sz="6000" dirty="0" smtClean="0"/>
-              <a:t>Resources</a:t>
+              <a:t>Scope of video</a:t>
             </a:r>
             <a:endParaRPr lang="en-US" sz="6000" dirty="0"/>
           </a:p>
@@ -7056,7 +7483,7 @@
         <p:spPr>
           <a:xfrm>
             <a:off x="337189" y="1219200"/>
-            <a:ext cx="11572872" cy="2677656"/>
+            <a:ext cx="11572872" cy="1384995"/>
           </a:xfrm>
           <a:prstGeom prst="rect">
             <a:avLst/>
@@ -7075,25 +7502,8 @@
             </a:pPr>
             <a:r>
               <a:rPr lang="en-US" sz="2800" dirty="0" smtClean="0"/>
-              <a:t>Sample </a:t>
-            </a:r>
-            <a:r>
-              <a:rPr lang="en-US" sz="2800" dirty="0"/>
-              <a:t>code: </a:t>
-            </a:r>
-            <a:r>
-              <a:rPr lang="en-US" sz="2800" dirty="0">
-                <a:hlinkClick r:id="rId4"/>
-              </a:rPr>
-              <a:t>https://</a:t>
-            </a:r>
-            <a:r>
-              <a:rPr lang="en-US" sz="2800" dirty="0" smtClean="0">
-                <a:hlinkClick r:id="rId4"/>
-              </a:rPr>
-              <a:t>github.com/thanhtuit27/angular2_gettingstart</a:t>
-            </a:r>
-            <a:endParaRPr lang="en-US" sz="2800" dirty="0" smtClean="0"/>
+              <a:t>Understand how the angular app look like</a:t>
+            </a:r>
           </a:p>
           <a:p>
             <a:pPr marL="457200" indent="-457200">
@@ -7101,22 +7511,9 @@
               <a:buChar char="-"/>
             </a:pPr>
             <a:r>
-              <a:rPr lang="en-US" sz="2800" dirty="0"/>
-              <a:t>Angular: </a:t>
-            </a:r>
-            <a:r>
-              <a:rPr lang="en-US" sz="2800" dirty="0">
-                <a:hlinkClick r:id="rId5"/>
-              </a:rPr>
-              <a:t>https://angular.io</a:t>
-            </a:r>
-            <a:r>
-              <a:rPr lang="en-US" sz="2800" dirty="0" smtClean="0">
-                <a:hlinkClick r:id="rId5"/>
-              </a:rPr>
-              <a:t>/</a:t>
-            </a:r>
-            <a:endParaRPr lang="en-US" sz="2800" dirty="0" smtClean="0"/>
+              <a:rPr lang="en-US" sz="2800" dirty="0" smtClean="0"/>
+              <a:t>Create and navigate between pages</a:t>
+            </a:r>
           </a:p>
           <a:p>
             <a:pPr marL="457200" indent="-457200">
@@ -7124,58 +7521,9 @@
               <a:buChar char="-"/>
             </a:pPr>
             <a:r>
-              <a:rPr lang="en-US" sz="2800" dirty="0"/>
-              <a:t>Visual code: </a:t>
-            </a:r>
-            <a:r>
-              <a:rPr lang="en-US" sz="2800" dirty="0">
-                <a:hlinkClick r:id="rId6"/>
-              </a:rPr>
-              <a:t>https://</a:t>
-            </a:r>
-            <a:r>
-              <a:rPr lang="en-US" sz="2800" dirty="0" smtClean="0">
-                <a:hlinkClick r:id="rId6"/>
-              </a:rPr>
-              <a:t>code.visualstudio.com</a:t>
-            </a:r>
-            <a:endParaRPr lang="en-US" sz="2800" dirty="0" smtClean="0"/>
-          </a:p>
-          <a:p>
-            <a:pPr marL="457200" indent="-457200">
-              <a:buFontTx/>
-              <a:buChar char="-"/>
-            </a:pPr>
-            <a:r>
-              <a:rPr lang="en-US" sz="2800" dirty="0"/>
-              <a:t>Slides: </a:t>
-            </a:r>
-            <a:r>
-              <a:rPr lang="en-US" sz="2800" dirty="0">
-                <a:hlinkClick r:id="rId7"/>
-              </a:rPr>
-              <a:t>http://</a:t>
-            </a:r>
-            <a:r>
-              <a:rPr lang="en-US" sz="2800" dirty="0" smtClean="0">
-                <a:hlinkClick r:id="rId7"/>
-              </a:rPr>
-              <a:t>www.slideshare.net/TuTran10/angular2-getstart-62750184</a:t>
-            </a:r>
-            <a:endParaRPr lang="en-US" sz="2800" dirty="0" smtClean="0"/>
-          </a:p>
-          <a:p>
-            <a:pPr marL="457200" indent="-457200">
-              <a:buFontTx/>
-              <a:buChar char="-"/>
-            </a:pPr>
-            <a:endParaRPr lang="en-US" sz="2800" dirty="0" smtClean="0"/>
-          </a:p>
-          <a:p>
-            <a:pPr marL="457200" indent="-457200">
-              <a:buFontTx/>
-              <a:buChar char="-"/>
-            </a:pPr>
+              <a:rPr lang="en-US" sz="2800" dirty="0" smtClean="0"/>
+              <a:t>Get data form remote source and display on UI</a:t>
+            </a:r>
             <a:endParaRPr lang="en-US" sz="2800" dirty="0"/>
           </a:p>
         </p:txBody>
@@ -7201,6 +7549,333 @@
 </file>
 
 <file path=ppt/slides/slide3.xml><?xml version="1.0" encoding="utf-8"?>
+<p:sld xmlns:a="http://schemas.openxmlformats.org/drawingml/2006/main" xmlns:r="http://schemas.openxmlformats.org/officeDocument/2006/relationships" xmlns:p="http://schemas.openxmlformats.org/presentationml/2006/main">
+  <p:cSld>
+    <p:spTree>
+      <p:nvGrpSpPr>
+        <p:cNvPr id="1" name=""/>
+        <p:cNvGrpSpPr/>
+        <p:nvPr/>
+      </p:nvGrpSpPr>
+      <p:grpSpPr>
+        <a:xfrm>
+          <a:off x="0" y="0"/>
+          <a:ext cx="0" cy="0"/>
+          <a:chOff x="0" y="0"/>
+          <a:chExt cx="0" cy="0"/>
+        </a:xfrm>
+      </p:grpSpPr>
+      <p:sp>
+        <p:nvSpPr>
+          <p:cNvPr id="4" name="TextBox 3"/>
+          <p:cNvSpPr txBox="1"/>
+          <p:nvPr/>
+        </p:nvSpPr>
+        <p:spPr>
+          <a:xfrm>
+            <a:off x="337188" y="26894"/>
+            <a:ext cx="11572872" cy="1015663"/>
+          </a:xfrm>
+          <a:prstGeom prst="rect">
+            <a:avLst/>
+          </a:prstGeom>
+          <a:noFill/>
+        </p:spPr>
+        <p:txBody>
+          <a:bodyPr wrap="square" rtlCol="0">
+            <a:spAutoFit/>
+          </a:bodyPr>
+          <a:lstStyle/>
+          <a:p>
+            <a:r>
+              <a:rPr lang="en-US" sz="6000" dirty="0" smtClean="0"/>
+              <a:t>Resources</a:t>
+            </a:r>
+            <a:endParaRPr lang="en-US" sz="6000" dirty="0"/>
+          </a:p>
+        </p:txBody>
+      </p:sp>
+      <p:grpSp>
+        <p:nvGrpSpPr>
+          <p:cNvPr id="5" name="Group 4"/>
+          <p:cNvGrpSpPr/>
+          <p:nvPr/>
+        </p:nvGrpSpPr>
+        <p:grpSpPr>
+          <a:xfrm>
+            <a:off x="337188" y="6111139"/>
+            <a:ext cx="11572872" cy="625035"/>
+            <a:chOff x="337188" y="6111139"/>
+            <a:chExt cx="11572872" cy="625035"/>
+          </a:xfrm>
+        </p:grpSpPr>
+        <p:cxnSp>
+          <p:nvCxnSpPr>
+            <p:cNvPr id="6" name="Straight Connector 5"/>
+            <p:cNvCxnSpPr/>
+            <p:nvPr/>
+          </p:nvCxnSpPr>
+          <p:spPr>
+            <a:xfrm>
+              <a:off x="337188" y="6111139"/>
+              <a:ext cx="11572872" cy="0"/>
+            </a:xfrm>
+            <a:prstGeom prst="line">
+              <a:avLst/>
+            </a:prstGeom>
+            <a:ln>
+              <a:solidFill>
+                <a:schemeClr val="bg1">
+                  <a:lumMod val="75000"/>
+                </a:schemeClr>
+              </a:solidFill>
+            </a:ln>
+          </p:spPr>
+          <p:style>
+            <a:lnRef idx="1">
+              <a:schemeClr val="accent1"/>
+            </a:lnRef>
+            <a:fillRef idx="0">
+              <a:schemeClr val="accent1"/>
+            </a:fillRef>
+            <a:effectRef idx="0">
+              <a:schemeClr val="accent1"/>
+            </a:effectRef>
+            <a:fontRef idx="minor">
+              <a:schemeClr val="tx1"/>
+            </a:fontRef>
+          </p:style>
+        </p:cxnSp>
+        <p:grpSp>
+          <p:nvGrpSpPr>
+            <p:cNvPr id="7" name="Group 6"/>
+            <p:cNvGrpSpPr/>
+            <p:nvPr/>
+          </p:nvGrpSpPr>
+          <p:grpSpPr>
+            <a:xfrm>
+              <a:off x="337188" y="6285951"/>
+              <a:ext cx="1359912" cy="450223"/>
+              <a:chOff x="337188" y="6285951"/>
+              <a:chExt cx="1359912" cy="450223"/>
+            </a:xfrm>
+          </p:grpSpPr>
+          <p:pic>
+            <p:nvPicPr>
+              <p:cNvPr id="8" name="Picture 7"/>
+              <p:cNvPicPr>
+                <a:picLocks noChangeAspect="1"/>
+              </p:cNvPicPr>
+              <p:nvPr/>
+            </p:nvPicPr>
+            <p:blipFill>
+              <a:blip r:embed="rId3" cstate="print">
+                <a:extLst>
+                  <a:ext uri="{28A0092B-C50C-407E-A947-70E740481C1C}">
+                    <a14:useLocalDpi xmlns:a14="http://schemas.microsoft.com/office/drawing/2010/main" val="0"/>
+                  </a:ext>
+                </a:extLst>
+              </a:blip>
+              <a:stretch>
+                <a:fillRect/>
+              </a:stretch>
+            </p:blipFill>
+            <p:spPr>
+              <a:xfrm>
+                <a:off x="337188" y="6285951"/>
+                <a:ext cx="456908" cy="450223"/>
+              </a:xfrm>
+              <a:prstGeom prst="rect">
+                <a:avLst/>
+              </a:prstGeom>
+            </p:spPr>
+          </p:pic>
+          <p:sp>
+            <p:nvSpPr>
+              <p:cNvPr id="9" name="TextBox 8"/>
+              <p:cNvSpPr txBox="1"/>
+              <p:nvPr/>
+            </p:nvSpPr>
+            <p:spPr>
+              <a:xfrm>
+                <a:off x="794096" y="6366842"/>
+                <a:ext cx="903004" cy="369332"/>
+              </a:xfrm>
+              <a:prstGeom prst="rect">
+                <a:avLst/>
+              </a:prstGeom>
+              <a:noFill/>
+            </p:spPr>
+            <p:txBody>
+              <a:bodyPr wrap="none" rtlCol="0">
+                <a:spAutoFit/>
+              </a:bodyPr>
+              <a:lstStyle/>
+              <a:p>
+                <a:r>
+                  <a:rPr lang="en-US" dirty="0" smtClean="0"/>
+                  <a:t>TU Tran</a:t>
+                </a:r>
+                <a:endParaRPr lang="en-US" dirty="0"/>
+              </a:p>
+            </p:txBody>
+          </p:sp>
+        </p:grpSp>
+      </p:grpSp>
+      <p:sp>
+        <p:nvSpPr>
+          <p:cNvPr id="3" name="TextBox 2"/>
+          <p:cNvSpPr txBox="1"/>
+          <p:nvPr/>
+        </p:nvSpPr>
+        <p:spPr>
+          <a:xfrm>
+            <a:off x="337189" y="1219200"/>
+            <a:ext cx="11572872" cy="2677656"/>
+          </a:xfrm>
+          <a:prstGeom prst="rect">
+            <a:avLst/>
+          </a:prstGeom>
+          <a:noFill/>
+        </p:spPr>
+        <p:txBody>
+          <a:bodyPr wrap="square" rtlCol="0">
+            <a:spAutoFit/>
+          </a:bodyPr>
+          <a:lstStyle/>
+          <a:p>
+            <a:pPr marL="457200" indent="-457200">
+              <a:buFontTx/>
+              <a:buChar char="-"/>
+            </a:pPr>
+            <a:r>
+              <a:rPr lang="en-US" sz="2800" dirty="0" smtClean="0"/>
+              <a:t>Sample </a:t>
+            </a:r>
+            <a:r>
+              <a:rPr lang="en-US" sz="2800" dirty="0"/>
+              <a:t>code: </a:t>
+            </a:r>
+            <a:r>
+              <a:rPr lang="en-US" sz="2800" dirty="0">
+                <a:hlinkClick r:id="rId4"/>
+              </a:rPr>
+              <a:t>https://</a:t>
+            </a:r>
+            <a:r>
+              <a:rPr lang="en-US" sz="2800" dirty="0" smtClean="0">
+                <a:hlinkClick r:id="rId4"/>
+              </a:rPr>
+              <a:t>github.com/thanhtuit27/angular2_gettingstart</a:t>
+            </a:r>
+            <a:endParaRPr lang="en-US" sz="2800" dirty="0" smtClean="0"/>
+          </a:p>
+          <a:p>
+            <a:pPr marL="457200" indent="-457200">
+              <a:buFontTx/>
+              <a:buChar char="-"/>
+            </a:pPr>
+            <a:r>
+              <a:rPr lang="en-US" sz="2800" dirty="0"/>
+              <a:t>Angular: </a:t>
+            </a:r>
+            <a:r>
+              <a:rPr lang="en-US" sz="2800" dirty="0">
+                <a:hlinkClick r:id="rId5"/>
+              </a:rPr>
+              <a:t>https://angular.io</a:t>
+            </a:r>
+            <a:r>
+              <a:rPr lang="en-US" sz="2800" dirty="0" smtClean="0">
+                <a:hlinkClick r:id="rId5"/>
+              </a:rPr>
+              <a:t>/</a:t>
+            </a:r>
+            <a:endParaRPr lang="en-US" sz="2800" dirty="0" smtClean="0"/>
+          </a:p>
+          <a:p>
+            <a:pPr marL="457200" indent="-457200">
+              <a:buFontTx/>
+              <a:buChar char="-"/>
+            </a:pPr>
+            <a:r>
+              <a:rPr lang="en-US" sz="2800" dirty="0"/>
+              <a:t>Visual code: </a:t>
+            </a:r>
+            <a:r>
+              <a:rPr lang="en-US" sz="2800" dirty="0">
+                <a:hlinkClick r:id="rId6"/>
+              </a:rPr>
+              <a:t>https://</a:t>
+            </a:r>
+            <a:r>
+              <a:rPr lang="en-US" sz="2800" dirty="0" smtClean="0">
+                <a:hlinkClick r:id="rId6"/>
+              </a:rPr>
+              <a:t>code.visualstudio.com</a:t>
+            </a:r>
+            <a:endParaRPr lang="en-US" sz="2800" dirty="0" smtClean="0"/>
+          </a:p>
+          <a:p>
+            <a:pPr marL="457200" indent="-457200">
+              <a:buFontTx/>
+              <a:buChar char="-"/>
+            </a:pPr>
+            <a:r>
+              <a:rPr lang="en-US" sz="2800" dirty="0"/>
+              <a:t>Slides: </a:t>
+            </a:r>
+            <a:r>
+              <a:rPr lang="en-US" sz="2800" dirty="0">
+                <a:hlinkClick r:id="rId7"/>
+              </a:rPr>
+              <a:t>http://</a:t>
+            </a:r>
+            <a:r>
+              <a:rPr lang="en-US" sz="2800" dirty="0" smtClean="0">
+                <a:hlinkClick r:id="rId7"/>
+              </a:rPr>
+              <a:t>www.slideshare.net/TuTran10/angular2-getstart-62750184</a:t>
+            </a:r>
+            <a:endParaRPr lang="en-US" sz="2800" dirty="0" smtClean="0"/>
+          </a:p>
+          <a:p>
+            <a:pPr marL="457200" indent="-457200">
+              <a:buFontTx/>
+              <a:buChar char="-"/>
+            </a:pPr>
+            <a:endParaRPr lang="en-US" sz="2800" dirty="0" smtClean="0"/>
+          </a:p>
+          <a:p>
+            <a:pPr marL="457200" indent="-457200">
+              <a:buFontTx/>
+              <a:buChar char="-"/>
+            </a:pPr>
+            <a:endParaRPr lang="en-US" sz="2800" dirty="0"/>
+          </a:p>
+        </p:txBody>
+      </p:sp>
+    </p:spTree>
+    <p:extLst>
+      <p:ext uri="{BB962C8B-B14F-4D97-AF65-F5344CB8AC3E}">
+        <p14:creationId xmlns:p14="http://schemas.microsoft.com/office/powerpoint/2010/main" val="1664935312"/>
+      </p:ext>
+    </p:extLst>
+  </p:cSld>
+  <p:clrMapOvr>
+    <a:masterClrMapping/>
+  </p:clrMapOvr>
+  <p:timing>
+    <p:tnLst>
+      <p:par>
+        <p:cTn id="1" dur="indefinite" restart="never" nodeType="tmRoot"/>
+      </p:par>
+    </p:tnLst>
+  </p:timing>
+</p:sld>
+</file>
+
+<file path=ppt/slides/slide4.xml><?xml version="1.0" encoding="utf-8"?>
 <p:sld xmlns:a="http://schemas.openxmlformats.org/drawingml/2006/main" xmlns:r="http://schemas.openxmlformats.org/officeDocument/2006/relationships" xmlns:p="http://schemas.openxmlformats.org/presentationml/2006/main">
   <p:cSld>
     <p:spTree>
@@ -7516,7 +8191,7 @@
 </p:sld>
 </file>
 
-<file path=ppt/slides/slide4.xml><?xml version="1.0" encoding="utf-8"?>
+<file path=ppt/slides/slide5.xml><?xml version="1.0" encoding="utf-8"?>
 <p:sld xmlns:a="http://schemas.openxmlformats.org/drawingml/2006/main" xmlns:r="http://schemas.openxmlformats.org/officeDocument/2006/relationships" xmlns:p="http://schemas.openxmlformats.org/presentationml/2006/main">
   <p:cSld>
     <p:spTree>
@@ -7764,7 +8439,7 @@
 </p:sld>
 </file>
 
-<file path=ppt/slides/slide5.xml><?xml version="1.0" encoding="utf-8"?>
+<file path=ppt/slides/slide6.xml><?xml version="1.0" encoding="utf-8"?>
 <p:sld xmlns:a="http://schemas.openxmlformats.org/drawingml/2006/main" xmlns:r="http://schemas.openxmlformats.org/officeDocument/2006/relationships" xmlns:p="http://schemas.openxmlformats.org/presentationml/2006/main">
   <p:cSld>
     <p:spTree>
@@ -8015,7 +8690,7 @@
 </p:sld>
 </file>
 
-<file path=ppt/slides/slide6.xml><?xml version="1.0" encoding="utf-8"?>
+<file path=ppt/slides/slide7.xml><?xml version="1.0" encoding="utf-8"?>
 <p:sld xmlns:a="http://schemas.openxmlformats.org/drawingml/2006/main" xmlns:r="http://schemas.openxmlformats.org/officeDocument/2006/relationships" xmlns:p="http://schemas.openxmlformats.org/presentationml/2006/main">
   <p:cSld>
     <p:spTree>
@@ -8263,7 +8938,7 @@
 </p:sld>
 </file>
 
-<file path=ppt/slides/slide7.xml><?xml version="1.0" encoding="utf-8"?>
+<file path=ppt/slides/slide8.xml><?xml version="1.0" encoding="utf-8"?>
 <p:sld xmlns:a="http://schemas.openxmlformats.org/drawingml/2006/main" xmlns:r="http://schemas.openxmlformats.org/officeDocument/2006/relationships" xmlns:p="http://schemas.openxmlformats.org/presentationml/2006/main">
   <p:cSld>
     <p:spTree>
@@ -8481,7 +9156,7 @@
 </p:sld>
 </file>
 
-<file path=ppt/slides/slide8.xml><?xml version="1.0" encoding="utf-8"?>
+<file path=ppt/slides/slide9.xml><?xml version="1.0" encoding="utf-8"?>
 <p:sld xmlns:a="http://schemas.openxmlformats.org/drawingml/2006/main" xmlns:r="http://schemas.openxmlformats.org/officeDocument/2006/relationships" xmlns:p="http://schemas.openxmlformats.org/presentationml/2006/main">
   <p:cSld>
     <p:spTree>
@@ -8717,348 +9392,6 @@
     <p:extLst>
       <p:ext uri="{BB962C8B-B14F-4D97-AF65-F5344CB8AC3E}">
         <p14:creationId xmlns:p14="http://schemas.microsoft.com/office/powerpoint/2010/main" val="1744807118"/>
-      </p:ext>
-    </p:extLst>
-  </p:cSld>
-  <p:clrMapOvr>
-    <a:masterClrMapping/>
-  </p:clrMapOvr>
-  <p:timing>
-    <p:tnLst>
-      <p:par>
-        <p:cTn id="1" dur="indefinite" restart="never" nodeType="tmRoot"/>
-      </p:par>
-    </p:tnLst>
-  </p:timing>
-</p:sld>
-</file>
-
-<file path=ppt/slides/slide9.xml><?xml version="1.0" encoding="utf-8"?>
-<p:sld xmlns:a="http://schemas.openxmlformats.org/drawingml/2006/main" xmlns:r="http://schemas.openxmlformats.org/officeDocument/2006/relationships" xmlns:p="http://schemas.openxmlformats.org/presentationml/2006/main">
-  <p:cSld>
-    <p:spTree>
-      <p:nvGrpSpPr>
-        <p:cNvPr id="1" name=""/>
-        <p:cNvGrpSpPr/>
-        <p:nvPr/>
-      </p:nvGrpSpPr>
-      <p:grpSpPr>
-        <a:xfrm>
-          <a:off x="0" y="0"/>
-          <a:ext cx="0" cy="0"/>
-          <a:chOff x="0" y="0"/>
-          <a:chExt cx="0" cy="0"/>
-        </a:xfrm>
-      </p:grpSpPr>
-      <p:sp>
-        <p:nvSpPr>
-          <p:cNvPr id="4" name="TextBox 3"/>
-          <p:cNvSpPr txBox="1"/>
-          <p:nvPr/>
-        </p:nvSpPr>
-        <p:spPr>
-          <a:xfrm>
-            <a:off x="337188" y="26894"/>
-            <a:ext cx="11572872" cy="1015663"/>
-          </a:xfrm>
-          <a:prstGeom prst="rect">
-            <a:avLst/>
-          </a:prstGeom>
-          <a:noFill/>
-        </p:spPr>
-        <p:txBody>
-          <a:bodyPr wrap="square" rtlCol="0">
-            <a:spAutoFit/>
-          </a:bodyPr>
-          <a:lstStyle/>
-          <a:p>
-            <a:r>
-              <a:rPr lang="en-US" sz="6000" dirty="0" smtClean="0"/>
-              <a:t>Service</a:t>
-            </a:r>
-            <a:endParaRPr lang="en-US" sz="6000" dirty="0"/>
-          </a:p>
-        </p:txBody>
-      </p:sp>
-      <p:grpSp>
-        <p:nvGrpSpPr>
-          <p:cNvPr id="5" name="Group 4"/>
-          <p:cNvGrpSpPr/>
-          <p:nvPr/>
-        </p:nvGrpSpPr>
-        <p:grpSpPr>
-          <a:xfrm>
-            <a:off x="337188" y="6111139"/>
-            <a:ext cx="11572872" cy="625035"/>
-            <a:chOff x="337188" y="6111139"/>
-            <a:chExt cx="11572872" cy="625035"/>
-          </a:xfrm>
-        </p:grpSpPr>
-        <p:cxnSp>
-          <p:nvCxnSpPr>
-            <p:cNvPr id="6" name="Straight Connector 5"/>
-            <p:cNvCxnSpPr/>
-            <p:nvPr/>
-          </p:nvCxnSpPr>
-          <p:spPr>
-            <a:xfrm>
-              <a:off x="337188" y="6111139"/>
-              <a:ext cx="11572872" cy="0"/>
-            </a:xfrm>
-            <a:prstGeom prst="line">
-              <a:avLst/>
-            </a:prstGeom>
-            <a:ln>
-              <a:solidFill>
-                <a:schemeClr val="bg1">
-                  <a:lumMod val="75000"/>
-                </a:schemeClr>
-              </a:solidFill>
-            </a:ln>
-          </p:spPr>
-          <p:style>
-            <a:lnRef idx="1">
-              <a:schemeClr val="accent1"/>
-            </a:lnRef>
-            <a:fillRef idx="0">
-              <a:schemeClr val="accent1"/>
-            </a:fillRef>
-            <a:effectRef idx="0">
-              <a:schemeClr val="accent1"/>
-            </a:effectRef>
-            <a:fontRef idx="minor">
-              <a:schemeClr val="tx1"/>
-            </a:fontRef>
-          </p:style>
-        </p:cxnSp>
-        <p:grpSp>
-          <p:nvGrpSpPr>
-            <p:cNvPr id="7" name="Group 6"/>
-            <p:cNvGrpSpPr/>
-            <p:nvPr/>
-          </p:nvGrpSpPr>
-          <p:grpSpPr>
-            <a:xfrm>
-              <a:off x="337188" y="6285951"/>
-              <a:ext cx="1359912" cy="450223"/>
-              <a:chOff x="337188" y="6285951"/>
-              <a:chExt cx="1359912" cy="450223"/>
-            </a:xfrm>
-          </p:grpSpPr>
-          <p:pic>
-            <p:nvPicPr>
-              <p:cNvPr id="8" name="Picture 7"/>
-              <p:cNvPicPr>
-                <a:picLocks noChangeAspect="1"/>
-              </p:cNvPicPr>
-              <p:nvPr/>
-            </p:nvPicPr>
-            <p:blipFill>
-              <a:blip r:embed="rId2" cstate="print">
-                <a:extLst>
-                  <a:ext uri="{28A0092B-C50C-407E-A947-70E740481C1C}">
-                    <a14:useLocalDpi xmlns:a14="http://schemas.microsoft.com/office/drawing/2010/main" val="0"/>
-                  </a:ext>
-                </a:extLst>
-              </a:blip>
-              <a:stretch>
-                <a:fillRect/>
-              </a:stretch>
-            </p:blipFill>
-            <p:spPr>
-              <a:xfrm>
-                <a:off x="337188" y="6285951"/>
-                <a:ext cx="456908" cy="450223"/>
-              </a:xfrm>
-              <a:prstGeom prst="rect">
-                <a:avLst/>
-              </a:prstGeom>
-            </p:spPr>
-          </p:pic>
-          <p:sp>
-            <p:nvSpPr>
-              <p:cNvPr id="9" name="TextBox 8"/>
-              <p:cNvSpPr txBox="1"/>
-              <p:nvPr/>
-            </p:nvSpPr>
-            <p:spPr>
-              <a:xfrm>
-                <a:off x="794096" y="6366842"/>
-                <a:ext cx="903004" cy="369332"/>
-              </a:xfrm>
-              <a:prstGeom prst="rect">
-                <a:avLst/>
-              </a:prstGeom>
-              <a:noFill/>
-            </p:spPr>
-            <p:txBody>
-              <a:bodyPr wrap="none" rtlCol="0">
-                <a:spAutoFit/>
-              </a:bodyPr>
-              <a:lstStyle/>
-              <a:p>
-                <a:r>
-                  <a:rPr lang="en-US" dirty="0" smtClean="0"/>
-                  <a:t>TU Tran</a:t>
-                </a:r>
-                <a:endParaRPr lang="en-US" dirty="0"/>
-              </a:p>
-            </p:txBody>
-          </p:sp>
-        </p:grpSp>
-      </p:grpSp>
-      <p:pic>
-        <p:nvPicPr>
-          <p:cNvPr id="1030" name="Picture 6"/>
-          <p:cNvPicPr>
-            <a:picLocks noChangeAspect="1" noChangeArrowheads="1"/>
-          </p:cNvPicPr>
-          <p:nvPr/>
-        </p:nvPicPr>
-        <p:blipFill>
-          <a:blip r:embed="rId3">
-            <a:extLst>
-              <a:ext uri="{28A0092B-C50C-407E-A947-70E740481C1C}">
-                <a14:useLocalDpi xmlns:a14="http://schemas.microsoft.com/office/drawing/2010/main" val="0"/>
-              </a:ext>
-            </a:extLst>
-          </a:blip>
-          <a:srcRect/>
-          <a:stretch>
-            <a:fillRect/>
-          </a:stretch>
-        </p:blipFill>
-        <p:spPr bwMode="auto">
-          <a:xfrm>
-            <a:off x="5062538" y="1276350"/>
-            <a:ext cx="6943725" cy="4305300"/>
-          </a:xfrm>
-          <a:prstGeom prst="rect">
-            <a:avLst/>
-          </a:prstGeom>
-          <a:noFill/>
-          <a:ln>
-            <a:noFill/>
-          </a:ln>
-          <a:extLst>
-            <a:ext uri="{909E8E84-426E-40DD-AFC4-6F175D3DCCD1}">
-              <a14:hiddenFill xmlns:a14="http://schemas.microsoft.com/office/drawing/2010/main">
-                <a:solidFill>
-                  <a:schemeClr val="accent1"/>
-                </a:solidFill>
-              </a14:hiddenFill>
-            </a:ext>
-            <a:ext uri="{91240B29-F687-4F45-9708-019B960494DF}">
-              <a14:hiddenLine xmlns:a14="http://schemas.microsoft.com/office/drawing/2010/main" w="9525">
-                <a:solidFill>
-                  <a:schemeClr val="tx1"/>
-                </a:solidFill>
-                <a:miter lim="800000"/>
-                <a:headEnd/>
-                <a:tailEnd/>
-              </a14:hiddenLine>
-            </a:ext>
-          </a:extLst>
-        </p:spPr>
-      </p:pic>
-      <p:pic>
-        <p:nvPicPr>
-          <p:cNvPr id="1031" name="Picture 7"/>
-          <p:cNvPicPr>
-            <a:picLocks noChangeAspect="1" noChangeArrowheads="1"/>
-          </p:cNvPicPr>
-          <p:nvPr/>
-        </p:nvPicPr>
-        <p:blipFill>
-          <a:blip r:embed="rId4">
-            <a:extLst>
-              <a:ext uri="{28A0092B-C50C-407E-A947-70E740481C1C}">
-                <a14:useLocalDpi xmlns:a14="http://schemas.microsoft.com/office/drawing/2010/main" val="0"/>
-              </a:ext>
-            </a:extLst>
-          </a:blip>
-          <a:srcRect/>
-          <a:stretch>
-            <a:fillRect/>
-          </a:stretch>
-        </p:blipFill>
-        <p:spPr bwMode="auto">
-          <a:xfrm>
-            <a:off x="131763" y="1835150"/>
-            <a:ext cx="3853865" cy="1428750"/>
-          </a:xfrm>
-          <a:prstGeom prst="rect">
-            <a:avLst/>
-          </a:prstGeom>
-          <a:noFill/>
-          <a:ln>
-            <a:noFill/>
-          </a:ln>
-          <a:extLst>
-            <a:ext uri="{909E8E84-426E-40DD-AFC4-6F175D3DCCD1}">
-              <a14:hiddenFill xmlns:a14="http://schemas.microsoft.com/office/drawing/2010/main">
-                <a:solidFill>
-                  <a:schemeClr val="accent1"/>
-                </a:solidFill>
-              </a14:hiddenFill>
-            </a:ext>
-            <a:ext uri="{91240B29-F687-4F45-9708-019B960494DF}">
-              <a14:hiddenLine xmlns:a14="http://schemas.microsoft.com/office/drawing/2010/main" w="9525">
-                <a:solidFill>
-                  <a:schemeClr val="tx1"/>
-                </a:solidFill>
-                <a:miter lim="800000"/>
-                <a:headEnd/>
-                <a:tailEnd/>
-              </a14:hiddenLine>
-            </a:ext>
-          </a:extLst>
-        </p:spPr>
-      </p:pic>
-      <p:sp>
-        <p:nvSpPr>
-          <p:cNvPr id="11" name="Right Arrow 10"/>
-          <p:cNvSpPr/>
-          <p:nvPr/>
-        </p:nvSpPr>
-        <p:spPr>
-          <a:xfrm>
-            <a:off x="4229100" y="2508250"/>
-            <a:ext cx="609600" cy="444500"/>
-          </a:xfrm>
-          <a:prstGeom prst="rightArrow">
-            <a:avLst/>
-          </a:prstGeom>
-        </p:spPr>
-        <p:style>
-          <a:lnRef idx="2">
-            <a:schemeClr val="accent1">
-              <a:shade val="50000"/>
-            </a:schemeClr>
-          </a:lnRef>
-          <a:fillRef idx="1">
-            <a:schemeClr val="accent1"/>
-          </a:fillRef>
-          <a:effectRef idx="0">
-            <a:schemeClr val="accent1"/>
-          </a:effectRef>
-          <a:fontRef idx="minor">
-            <a:schemeClr val="lt1"/>
-          </a:fontRef>
-        </p:style>
-        <p:txBody>
-          <a:bodyPr rtlCol="0" anchor="ctr"/>
-          <a:lstStyle/>
-          <a:p>
-            <a:pPr algn="ctr"/>
-            <a:endParaRPr lang="en-US"/>
-          </a:p>
-        </p:txBody>
-      </p:sp>
-    </p:spTree>
-    <p:extLst>
-      <p:ext uri="{BB962C8B-B14F-4D97-AF65-F5344CB8AC3E}">
-        <p14:creationId xmlns:p14="http://schemas.microsoft.com/office/powerpoint/2010/main" val="2988111067"/>
       </p:ext>
     </p:extLst>
   </p:cSld>

--- a/Angular2.pptx
+++ b/Angular2.pptx
@@ -7340,8 +7340,8 @@
           <a:lstStyle/>
           <a:p>
             <a:r>
-              <a:rPr lang="en-US" sz="6000" dirty="0" smtClean="0"/>
-              <a:t>Scope of video</a:t>
+              <a:rPr lang="en-US" sz="6000" smtClean="0"/>
+              <a:t>Scope</a:t>
             </a:r>
             <a:endParaRPr lang="en-US" sz="6000" dirty="0"/>
           </a:p>
